--- a/EDA-Cars.pptx
+++ b/EDA-Cars.pptx
@@ -121,6 +121,11 @@
       </a:defRPr>
     </a:lvl9pPr>
   </p:defaultTextStyle>
+  <p:extLst>
+    <p:ext uri="{EFAFB233-063F-42B5-8137-9DF3F51BA10A}">
+      <p15:sldGuideLst xmlns:p15="http://schemas.microsoft.com/office/powerpoint/2012/main"/>
+    </p:ext>
+  </p:extLst>
 </p:presentation>
 </file>
 
@@ -6888,15 +6893,10 @@
           </a:bodyPr>
           <a:lstStyle/>
           <a:p>
-            <a:pPr algn="l"/>
-            <a:r>
-              <a:rPr lang="en-IN" b="1" dirty="0"/>
-              <a:t>Out of the top 5 brand of cars, Which are the top 5 models most available/sold in this market?</a:t>
-            </a:r>
-            <a:br>
-              <a:rPr lang="en-IN" b="1" dirty="0"/>
-            </a:br>
-            <a:endParaRPr lang="en-US" dirty="0"/>
+            <a:r>
+              <a:rPr lang="en-IN" b="1"/>
+              <a:t>Which are the top 5 most available/sold car models in this market?</a:t>
+            </a:r>
           </a:p>
         </p:txBody>
       </p:sp>
@@ -6990,8 +6990,11 @@
             <a:pPr algn="l"/>
             <a:r>
               <a:rPr lang="en-IN" b="1" dirty="0"/>
-              <a:t>Which are the top 5 most cheap car models available/sold in this market ?</a:t>
-            </a:r>
+              <a:t>Out of the top 5 brand of cars, Which are the top 5 models most available/sold in this market? </a:t>
+            </a:r>
+            <a:br>
+              <a:rPr lang="en-IN" b="1" dirty="0"/>
+            </a:br>
             <a:br>
               <a:rPr lang="en-IN" b="1" dirty="0"/>
             </a:br>
